--- a/ppt 모음/학과클라우드 및 세미나 주제 - 이인규.pptx
+++ b/ppt 모음/학과클라우드 및 세미나 주제 - 이인규.pptx
@@ -5,15 +5,16 @@
     <p:sldMasterId id="2147483750" r:id="rId1"/>
   </p:sldMasterIdLst>
   <p:notesMasterIdLst>
-    <p:notesMasterId r:id="rId8"/>
+    <p:notesMasterId r:id="rId9"/>
   </p:notesMasterIdLst>
   <p:sldIdLst>
     <p:sldId id="256" r:id="rId2"/>
     <p:sldId id="261" r:id="rId3"/>
-    <p:sldId id="258" r:id="rId4"/>
-    <p:sldId id="259" r:id="rId5"/>
-    <p:sldId id="260" r:id="rId6"/>
-    <p:sldId id="257" r:id="rId7"/>
+    <p:sldId id="262" r:id="rId4"/>
+    <p:sldId id="258" r:id="rId5"/>
+    <p:sldId id="259" r:id="rId6"/>
+    <p:sldId id="260" r:id="rId7"/>
+    <p:sldId id="257" r:id="rId8"/>
   </p:sldIdLst>
   <p:sldSz cx="9144000" cy="6858000" type="screen4x3"/>
   <p:notesSz cx="6797675" cy="9874250"/>
@@ -270,7 +271,7 @@
           <a:p>
             <a:fld id="{57764B8E-7EC0-4B59-8DA5-E04CAE3DB5F2}" type="datetimeFigureOut">
               <a:rPr lang="ko-KR" altLang="en-US" smtClean="0"/>
-              <a:t>2023-09-04</a:t>
+              <a:t>2023-09-14</a:t>
             </a:fld>
             <a:endParaRPr lang="ko-KR" altLang="en-US"/>
           </a:p>
@@ -4238,14 +4239,14 @@
           <a:p>
             <a:r>
               <a:rPr lang="ko-KR" altLang="en-US" dirty="0"/>
-              <a:t>학과 클라우드 및</a:t>
+              <a:t>세미나 주제 선정  및</a:t>
             </a:r>
             <a:br>
               <a:rPr lang="en-US" altLang="ko-KR" dirty="0"/>
             </a:br>
             <a:r>
               <a:rPr lang="ko-KR" altLang="en-US" dirty="0"/>
-              <a:t>세미나 주제 선정</a:t>
+              <a:t>학과 클라우드</a:t>
             </a:r>
           </a:p>
         </p:txBody>
@@ -4291,7 +4292,7 @@
           <a:p>
             <a:r>
               <a:rPr lang="en-US" altLang="ko-KR" dirty="0"/>
-              <a:t>23.09.04</a:t>
+              <a:t>23.09.14</a:t>
             </a:r>
             <a:endParaRPr lang="ko-KR" altLang="en-US" dirty="0"/>
           </a:p>
@@ -4860,7 +4861,7 @@
           <p:cNvPr id="2" name="제목 1">
             <a:extLst>
               <a:ext uri="{FF2B5EF4-FFF2-40B4-BE49-F238E27FC236}">
-                <a16:creationId xmlns:a16="http://schemas.microsoft.com/office/drawing/2014/main" id="{2BF79D3B-B548-4FB6-23CF-00077BDC3227}"/>
+                <a16:creationId xmlns:a16="http://schemas.microsoft.com/office/drawing/2014/main" id="{DD012D42-B4F2-7513-EA33-A1BA93D343BA}"/>
               </a:ext>
             </a:extLst>
           </p:cNvPr>
@@ -4877,9 +4878,10 @@
           <a:lstStyle/>
           <a:p>
             <a:r>
-              <a:rPr lang="ko-KR" altLang="en-US" dirty="0"/>
-              <a:t>학과 클라우드 개발 진척도</a:t>
-            </a:r>
+              <a:rPr lang="en-US" altLang="ko-KR" dirty="0"/>
+              <a:t>SNN</a:t>
+            </a:r>
+            <a:endParaRPr lang="ko-KR" altLang="en-US" dirty="0"/>
           </a:p>
         </p:txBody>
       </p:sp>
@@ -4888,7 +4890,7 @@
           <p:cNvPr id="3" name="내용 개체 틀 2">
             <a:extLst>
               <a:ext uri="{FF2B5EF4-FFF2-40B4-BE49-F238E27FC236}">
-                <a16:creationId xmlns:a16="http://schemas.microsoft.com/office/drawing/2014/main" id="{F02C85E7-5E04-B093-5D04-E7A0B499B349}"/>
+                <a16:creationId xmlns:a16="http://schemas.microsoft.com/office/drawing/2014/main" id="{A3C915A6-0572-2C15-9B6D-D113F2F921F3}"/>
               </a:ext>
             </a:extLst>
           </p:cNvPr>
@@ -4905,61 +4907,109 @@
           <a:lstStyle/>
           <a:p>
             <a:r>
+              <a:rPr lang="ko-KR" altLang="en-US" dirty="0"/>
+              <a:t>강화학습 과목을 수강하면서 추가 과제를 진행</a:t>
+            </a:r>
+            <a:endParaRPr lang="en-US" altLang="ko-KR" dirty="0"/>
+          </a:p>
+          <a:p>
+            <a:pPr marL="0" indent="0">
+              <a:buNone/>
+            </a:pPr>
+            <a:r>
               <a:rPr lang="en-US" altLang="ko-KR" dirty="0"/>
-              <a:t>220.69.209.126:443 </a:t>
+              <a:t>Ex. </a:t>
             </a:r>
             <a:r>
               <a:rPr lang="ko-KR" altLang="en-US" dirty="0"/>
-              <a:t>에 오픈 되어 있으며</a:t>
+              <a:t>페이스북 예시 몬테카를로 적용</a:t>
             </a:r>
             <a:r>
               <a:rPr lang="en-US" altLang="ko-KR" dirty="0"/>
-              <a:t>, </a:t>
+              <a:t>.</a:t>
+            </a:r>
+          </a:p>
+          <a:p>
+            <a:pPr marL="0" indent="0">
+              <a:buNone/>
+            </a:pPr>
+            <a:endParaRPr lang="en-US" altLang="ko-KR" dirty="0"/>
+          </a:p>
+          <a:p>
+            <a:pPr marL="514350" indent="-514350">
+              <a:buAutoNum type="arabicPeriod"/>
+            </a:pPr>
+            <a:r>
+              <a:rPr lang="en-US" altLang="ko-KR" dirty="0"/>
+              <a:t>SNN</a:t>
+            </a:r>
+            <a:r>
+              <a:rPr lang="ko-KR" altLang="en-US" dirty="0"/>
+              <a:t> </a:t>
+            </a:r>
+            <a:r>
+              <a:rPr lang="en-US" altLang="ko-KR" dirty="0"/>
+              <a:t>SNN | </a:t>
+            </a:r>
+            <a:r>
+              <a:rPr lang="ko-KR" altLang="en-US" dirty="0"/>
+              <a:t>연세대학교 </a:t>
+            </a:r>
+            <a:r>
+              <a:rPr lang="en-US" altLang="ko-KR" dirty="0" err="1"/>
+              <a:t>CogSci:IN</a:t>
+            </a:r>
+            <a:r>
+              <a:rPr lang="en-US" altLang="ko-KR" dirty="0"/>
+              <a:t> </a:t>
+            </a:r>
+            <a:r>
+              <a:rPr lang="ko-KR" altLang="en-US" dirty="0"/>
+              <a:t>시청</a:t>
+            </a:r>
+            <a:endParaRPr lang="en-US" altLang="ko-KR" dirty="0"/>
+          </a:p>
+          <a:p>
+            <a:pPr marL="514350" indent="-514350">
+              <a:buAutoNum type="arabicPeriod"/>
+            </a:pPr>
+            <a:r>
+              <a:rPr lang="ko-KR" altLang="en-US" dirty="0"/>
+              <a:t>강화학습 과목 수강 및 과제 진행</a:t>
+            </a:r>
+            <a:endParaRPr lang="en-US" altLang="ko-KR" dirty="0"/>
+          </a:p>
+          <a:p>
+            <a:pPr marL="514350" indent="-514350">
+              <a:buAutoNum type="arabicPeriod"/>
+            </a:pPr>
+            <a:r>
+              <a:rPr lang="ko-KR" altLang="en-US" dirty="0"/>
+              <a:t>가상의 </a:t>
+            </a:r>
+            <a:r>
+              <a:rPr lang="en-US" altLang="ko-KR" dirty="0" err="1"/>
+              <a:t>Environmnet</a:t>
+            </a:r>
+            <a:r>
+              <a:rPr lang="ko-KR" altLang="en-US" dirty="0"/>
+              <a:t>를 만들어서 알고리즘</a:t>
             </a:r>
             <a:br>
               <a:rPr lang="en-US" altLang="ko-KR" dirty="0"/>
             </a:br>
             <a:r>
               <a:rPr lang="ko-KR" altLang="en-US" dirty="0"/>
-              <a:t>외부에서도 접속 가능한 상태</a:t>
-            </a:r>
-          </a:p>
-        </p:txBody>
-      </p:sp>
-      <p:pic>
-        <p:nvPicPr>
-          <p:cNvPr id="5" name="그림 4">
-            <a:extLst>
-              <a:ext uri="{FF2B5EF4-FFF2-40B4-BE49-F238E27FC236}">
-                <a16:creationId xmlns:a16="http://schemas.microsoft.com/office/drawing/2014/main" id="{2E57EA3C-C9E2-C59A-694A-A73F08161D4F}"/>
-              </a:ext>
-            </a:extLst>
-          </p:cNvPr>
-          <p:cNvPicPr>
-            <a:picLocks noChangeAspect="1"/>
-          </p:cNvPicPr>
-          <p:nvPr/>
-        </p:nvPicPr>
-        <p:blipFill>
-          <a:blip r:embed="rId2"/>
-          <a:stretch>
-            <a:fillRect/>
-          </a:stretch>
-        </p:blipFill>
-        <p:spPr>
-          <a:xfrm>
-            <a:off x="1098252" y="2060848"/>
-            <a:ext cx="7452320" cy="3608119"/>
-          </a:xfrm>
-          <a:prstGeom prst="rect">
-            <a:avLst/>
-          </a:prstGeom>
-        </p:spPr>
-      </p:pic>
+              <a:t>적용</a:t>
+            </a:r>
+            <a:endParaRPr lang="en-US" altLang="ko-KR" dirty="0"/>
+          </a:p>
+        </p:txBody>
+      </p:sp>
     </p:spTree>
     <p:extLst>
       <p:ext uri="{BB962C8B-B14F-4D97-AF65-F5344CB8AC3E}">
-        <p14:creationId xmlns:p14="http://schemas.microsoft.com/office/powerpoint/2010/main" val="1773588131"/>
+        <p14:creationId xmlns:p14="http://schemas.microsoft.com/office/powerpoint/2010/main" val="831136599"/>
       </p:ext>
     </p:extLst>
   </p:cSld>
@@ -4991,7 +5041,7 @@
           <p:cNvPr id="2" name="제목 1">
             <a:extLst>
               <a:ext uri="{FF2B5EF4-FFF2-40B4-BE49-F238E27FC236}">
-                <a16:creationId xmlns:a16="http://schemas.microsoft.com/office/drawing/2014/main" id="{301EFACA-302F-EFB2-4D6A-AC881E8BCB3C}"/>
+                <a16:creationId xmlns:a16="http://schemas.microsoft.com/office/drawing/2014/main" id="{2BF79D3B-B548-4FB6-23CF-00077BDC3227}"/>
               </a:ext>
             </a:extLst>
           </p:cNvPr>
@@ -5009,7 +5059,7 @@
           <a:p>
             <a:r>
               <a:rPr lang="ko-KR" altLang="en-US" dirty="0"/>
-              <a:t>학과 클라우드 개발 당시 문제점</a:t>
+              <a:t>학과 클라우드 개발 진척도</a:t>
             </a:r>
           </a:p>
         </p:txBody>
@@ -5019,7 +5069,7 @@
           <p:cNvPr id="3" name="내용 개체 틀 2">
             <a:extLst>
               <a:ext uri="{FF2B5EF4-FFF2-40B4-BE49-F238E27FC236}">
-                <a16:creationId xmlns:a16="http://schemas.microsoft.com/office/drawing/2014/main" id="{E9D4D2CF-68D9-E7EA-3057-DE876C8223AB}"/>
+                <a16:creationId xmlns:a16="http://schemas.microsoft.com/office/drawing/2014/main" id="{F02C85E7-5E04-B093-5D04-E7A0B499B349}"/>
               </a:ext>
             </a:extLst>
           </p:cNvPr>
@@ -5032,210 +5082,65 @@
         </p:nvSpPr>
         <p:spPr/>
         <p:txBody>
-          <a:bodyPr>
-            <a:normAutofit fontScale="85000" lnSpcReduction="20000"/>
-          </a:bodyPr>
+          <a:bodyPr/>
           <a:lstStyle/>
           <a:p>
             <a:r>
               <a:rPr lang="en-US" altLang="ko-KR" dirty="0"/>
-              <a:t>443 </a:t>
+              <a:t>220.69.209.126:443 </a:t>
             </a:r>
             <a:r>
               <a:rPr lang="ko-KR" altLang="en-US" dirty="0"/>
-              <a:t>포트는 </a:t>
-            </a:r>
-            <a:r>
-              <a:rPr lang="en-US" altLang="ko-KR" dirty="0" err="1"/>
-              <a:t>sudo</a:t>
-            </a:r>
-            <a:r>
-              <a:rPr lang="en-US" altLang="ko-KR" dirty="0"/>
-              <a:t> </a:t>
-            </a:r>
-            <a:r>
-              <a:rPr lang="ko-KR" altLang="en-US" dirty="0"/>
-              <a:t>명령어가 없으면</a:t>
+              <a:t>에 오픈 되어 있으며</a:t>
             </a:r>
             <a:r>
               <a:rPr lang="en-US" altLang="ko-KR" dirty="0"/>
               <a:t>, </a:t>
             </a:r>
-            <a:r>
-              <a:rPr lang="en-US" altLang="ko-KR" dirty="0" err="1"/>
-              <a:t>runserver</a:t>
-            </a:r>
+            <a:br>
+              <a:rPr lang="en-US" altLang="ko-KR" dirty="0"/>
+            </a:br>
             <a:r>
               <a:rPr lang="ko-KR" altLang="en-US" dirty="0"/>
-              <a:t>를 실행 시킬 수 없음</a:t>
-            </a:r>
-            <a:endParaRPr lang="en-US" altLang="ko-KR" dirty="0"/>
-          </a:p>
-          <a:p>
-            <a:endParaRPr lang="en-US" altLang="ko-KR" dirty="0"/>
-          </a:p>
-          <a:p>
-            <a:r>
-              <a:rPr lang="en-US" altLang="ko-KR" dirty="0"/>
-              <a:t>443 </a:t>
-            </a:r>
-            <a:r>
-              <a:rPr lang="ko-KR" altLang="en-US" dirty="0"/>
-              <a:t>포트가 </a:t>
-            </a:r>
-            <a:r>
-              <a:rPr lang="en-US" altLang="ko-KR" dirty="0"/>
-              <a:t>https</a:t>
-            </a:r>
-            <a:r>
-              <a:rPr lang="ko-KR" altLang="en-US" dirty="0"/>
-              <a:t>의 기본 포트이기 때문으로 추정</a:t>
-            </a:r>
-            <a:endParaRPr lang="en-US" altLang="ko-KR" dirty="0"/>
-          </a:p>
-          <a:p>
-            <a:endParaRPr lang="en-US" altLang="ko-KR" dirty="0"/>
-          </a:p>
-          <a:p>
-            <a:r>
-              <a:rPr lang="en-US" altLang="ko-KR" dirty="0" err="1">
-                <a:highlight>
-                  <a:srgbClr val="FFFF00"/>
-                </a:highlight>
-              </a:rPr>
-              <a:t>sudo</a:t>
-            </a:r>
-            <a:r>
-              <a:rPr lang="en-US" altLang="ko-KR" dirty="0"/>
-              <a:t> python manage.py </a:t>
-            </a:r>
-            <a:r>
-              <a:rPr lang="en-US" altLang="ko-KR" dirty="0" err="1"/>
-              <a:t>runserver</a:t>
-            </a:r>
-            <a:r>
-              <a:rPr lang="en-US" altLang="ko-KR" dirty="0"/>
-              <a:t> </a:t>
-            </a:r>
-            <a:r>
-              <a:rPr lang="ko-KR" altLang="en-US" dirty="0"/>
-              <a:t>명령어 </a:t>
-            </a:r>
-            <a:r>
-              <a:rPr lang="ko-KR" altLang="en-US" dirty="0" err="1"/>
-              <a:t>수행시</a:t>
-            </a:r>
-            <a:r>
-              <a:rPr lang="ko-KR" altLang="en-US" dirty="0"/>
-              <a:t> </a:t>
-            </a:r>
-            <a:r>
-              <a:rPr lang="en-US" altLang="ko-KR" dirty="0"/>
-              <a:t>python path</a:t>
-            </a:r>
-            <a:r>
-              <a:rPr lang="ko-KR" altLang="en-US" dirty="0"/>
-              <a:t>를 알아오지 못하는 문제 발생</a:t>
-            </a:r>
-            <a:endParaRPr lang="en-US" altLang="ko-KR" dirty="0"/>
-          </a:p>
-          <a:p>
-            <a:endParaRPr lang="en-US" altLang="ko-KR" dirty="0"/>
-          </a:p>
-          <a:p>
-            <a:r>
-              <a:rPr lang="en-US" altLang="ko-KR" dirty="0" err="1"/>
-              <a:t>sudo</a:t>
-            </a:r>
-            <a:r>
-              <a:rPr lang="en-US" altLang="ko-KR" dirty="0"/>
-              <a:t> </a:t>
-            </a:r>
-            <a:r>
-              <a:rPr lang="ko-KR" altLang="en-US" dirty="0"/>
-              <a:t>명령어 사용시 기존의 환경 변수를 작성 했음에도 불구하고 꼬이는 경우가 있으며</a:t>
-            </a:r>
-            <a:r>
-              <a:rPr lang="en-US" altLang="ko-KR" dirty="0"/>
-              <a:t>, python </a:t>
-            </a:r>
-            <a:r>
-              <a:rPr lang="ko-KR" altLang="en-US" dirty="0"/>
-              <a:t>사용시 </a:t>
-            </a:r>
-            <a:r>
-              <a:rPr lang="en-US" altLang="ko-KR" dirty="0" err="1"/>
-              <a:t>sudo</a:t>
-            </a:r>
-            <a:r>
-              <a:rPr lang="en-US" altLang="ko-KR" dirty="0"/>
-              <a:t> </a:t>
-            </a:r>
-            <a:r>
-              <a:rPr lang="ko-KR" altLang="en-US" dirty="0"/>
-              <a:t>명령어를 쓰지 않도록 권고</a:t>
-            </a:r>
-            <a:endParaRPr lang="en-US" altLang="ko-KR" dirty="0"/>
-          </a:p>
-          <a:p>
-            <a:endParaRPr lang="en-US" altLang="ko-KR" dirty="0"/>
-          </a:p>
-          <a:p>
-            <a:r>
-              <a:rPr lang="en-US" altLang="ko-KR" dirty="0" err="1"/>
-              <a:t>sudo</a:t>
-            </a:r>
-            <a:r>
-              <a:rPr lang="en-US" altLang="ko-KR" dirty="0"/>
-              <a:t> </a:t>
-            </a:r>
-            <a:r>
-              <a:rPr lang="en-US" altLang="ko-KR" dirty="0">
-                <a:highlight>
-                  <a:srgbClr val="FFFF00"/>
-                </a:highlight>
-              </a:rPr>
-              <a:t>home/</a:t>
-            </a:r>
-            <a:r>
-              <a:rPr lang="en-US" altLang="ko-KR" dirty="0" err="1">
-                <a:highlight>
-                  <a:srgbClr val="FFFF00"/>
-                </a:highlight>
-              </a:rPr>
-              <a:t>hadoop</a:t>
-            </a:r>
-            <a:r>
-              <a:rPr lang="en-US" altLang="ko-KR" dirty="0">
-                <a:highlight>
-                  <a:srgbClr val="FFFF00"/>
-                </a:highlight>
-              </a:rPr>
-              <a:t>/anaconda3/bin/python</a:t>
-            </a:r>
-            <a:r>
-              <a:rPr lang="en-US" altLang="ko-KR" dirty="0"/>
-              <a:t> manage.py </a:t>
-            </a:r>
-            <a:r>
-              <a:rPr lang="en-US" altLang="ko-KR" dirty="0" err="1"/>
-              <a:t>runserver</a:t>
-            </a:r>
-            <a:r>
-              <a:rPr lang="en-US" altLang="ko-KR" dirty="0"/>
-              <a:t> </a:t>
-            </a:r>
-            <a:r>
-              <a:rPr lang="ko-KR" altLang="en-US" dirty="0"/>
-              <a:t>명령어로 해결</a:t>
-            </a:r>
-          </a:p>
-        </p:txBody>
-      </p:sp>
+              <a:t>외부에서도 접속 가능한 상태</a:t>
+            </a:r>
+          </a:p>
+        </p:txBody>
+      </p:sp>
+      <p:pic>
+        <p:nvPicPr>
+          <p:cNvPr id="5" name="그림 4">
+            <a:extLst>
+              <a:ext uri="{FF2B5EF4-FFF2-40B4-BE49-F238E27FC236}">
+                <a16:creationId xmlns:a16="http://schemas.microsoft.com/office/drawing/2014/main" id="{2E57EA3C-C9E2-C59A-694A-A73F08161D4F}"/>
+              </a:ext>
+            </a:extLst>
+          </p:cNvPr>
+          <p:cNvPicPr>
+            <a:picLocks noChangeAspect="1"/>
+          </p:cNvPicPr>
+          <p:nvPr/>
+        </p:nvPicPr>
+        <p:blipFill>
+          <a:blip r:embed="rId2"/>
+          <a:stretch>
+            <a:fillRect/>
+          </a:stretch>
+        </p:blipFill>
+        <p:spPr>
+          <a:xfrm>
+            <a:off x="1098252" y="2060848"/>
+            <a:ext cx="7452320" cy="3608119"/>
+          </a:xfrm>
+          <a:prstGeom prst="rect">
+            <a:avLst/>
+          </a:prstGeom>
+        </p:spPr>
+      </p:pic>
     </p:spTree>
     <p:extLst>
       <p:ext uri="{BB962C8B-B14F-4D97-AF65-F5344CB8AC3E}">
-        <p14:creationId xmlns:p14="http://schemas.microsoft.com/office/powerpoint/2010/main" val="4111018779"/>
+        <p14:creationId xmlns:p14="http://schemas.microsoft.com/office/powerpoint/2010/main" val="1773588131"/>
       </p:ext>
     </p:extLst>
   </p:cSld>
@@ -5267,6 +5172,282 @@
           <p:cNvPr id="2" name="제목 1">
             <a:extLst>
               <a:ext uri="{FF2B5EF4-FFF2-40B4-BE49-F238E27FC236}">
+                <a16:creationId xmlns:a16="http://schemas.microsoft.com/office/drawing/2014/main" id="{301EFACA-302F-EFB2-4D6A-AC881E8BCB3C}"/>
+              </a:ext>
+            </a:extLst>
+          </p:cNvPr>
+          <p:cNvSpPr>
+            <a:spLocks noGrp="1"/>
+          </p:cNvSpPr>
+          <p:nvPr>
+            <p:ph type="title"/>
+          </p:nvPr>
+        </p:nvSpPr>
+        <p:spPr/>
+        <p:txBody>
+          <a:bodyPr/>
+          <a:lstStyle/>
+          <a:p>
+            <a:r>
+              <a:rPr lang="ko-KR" altLang="en-US" dirty="0"/>
+              <a:t>학과 클라우드 개발 당시 문제점</a:t>
+            </a:r>
+          </a:p>
+        </p:txBody>
+      </p:sp>
+      <p:sp>
+        <p:nvSpPr>
+          <p:cNvPr id="3" name="내용 개체 틀 2">
+            <a:extLst>
+              <a:ext uri="{FF2B5EF4-FFF2-40B4-BE49-F238E27FC236}">
+                <a16:creationId xmlns:a16="http://schemas.microsoft.com/office/drawing/2014/main" id="{E9D4D2CF-68D9-E7EA-3057-DE876C8223AB}"/>
+              </a:ext>
+            </a:extLst>
+          </p:cNvPr>
+          <p:cNvSpPr>
+            <a:spLocks noGrp="1"/>
+          </p:cNvSpPr>
+          <p:nvPr>
+            <p:ph idx="1"/>
+          </p:nvPr>
+        </p:nvSpPr>
+        <p:spPr/>
+        <p:txBody>
+          <a:bodyPr>
+            <a:normAutofit fontScale="85000" lnSpcReduction="20000"/>
+          </a:bodyPr>
+          <a:lstStyle/>
+          <a:p>
+            <a:r>
+              <a:rPr lang="en-US" altLang="ko-KR" dirty="0"/>
+              <a:t>443 </a:t>
+            </a:r>
+            <a:r>
+              <a:rPr lang="ko-KR" altLang="en-US" dirty="0"/>
+              <a:t>포트는 </a:t>
+            </a:r>
+            <a:r>
+              <a:rPr lang="en-US" altLang="ko-KR" dirty="0" err="1"/>
+              <a:t>sudo</a:t>
+            </a:r>
+            <a:r>
+              <a:rPr lang="en-US" altLang="ko-KR" dirty="0"/>
+              <a:t> </a:t>
+            </a:r>
+            <a:r>
+              <a:rPr lang="ko-KR" altLang="en-US" dirty="0"/>
+              <a:t>명령어가 없으면</a:t>
+            </a:r>
+            <a:r>
+              <a:rPr lang="en-US" altLang="ko-KR" dirty="0"/>
+              <a:t>, </a:t>
+            </a:r>
+            <a:r>
+              <a:rPr lang="en-US" altLang="ko-KR" dirty="0" err="1"/>
+              <a:t>runserver</a:t>
+            </a:r>
+            <a:r>
+              <a:rPr lang="ko-KR" altLang="en-US" dirty="0"/>
+              <a:t>를 실행 시킬 수 없음</a:t>
+            </a:r>
+            <a:endParaRPr lang="en-US" altLang="ko-KR" dirty="0"/>
+          </a:p>
+          <a:p>
+            <a:endParaRPr lang="en-US" altLang="ko-KR" dirty="0"/>
+          </a:p>
+          <a:p>
+            <a:r>
+              <a:rPr lang="en-US" altLang="ko-KR" dirty="0"/>
+              <a:t>443 </a:t>
+            </a:r>
+            <a:r>
+              <a:rPr lang="ko-KR" altLang="en-US" dirty="0"/>
+              <a:t>포트가 </a:t>
+            </a:r>
+            <a:r>
+              <a:rPr lang="en-US" altLang="ko-KR" dirty="0"/>
+              <a:t>https</a:t>
+            </a:r>
+            <a:r>
+              <a:rPr lang="ko-KR" altLang="en-US" dirty="0"/>
+              <a:t>의 기본 포트이기 때문으로 추정</a:t>
+            </a:r>
+            <a:endParaRPr lang="en-US" altLang="ko-KR" dirty="0"/>
+          </a:p>
+          <a:p>
+            <a:endParaRPr lang="en-US" altLang="ko-KR" dirty="0"/>
+          </a:p>
+          <a:p>
+            <a:r>
+              <a:rPr lang="en-US" altLang="ko-KR" dirty="0" err="1">
+                <a:highlight>
+                  <a:srgbClr val="FFFF00"/>
+                </a:highlight>
+              </a:rPr>
+              <a:t>sudo</a:t>
+            </a:r>
+            <a:r>
+              <a:rPr lang="en-US" altLang="ko-KR" dirty="0"/>
+              <a:t> python manage.py </a:t>
+            </a:r>
+            <a:r>
+              <a:rPr lang="en-US" altLang="ko-KR" dirty="0" err="1"/>
+              <a:t>runserver</a:t>
+            </a:r>
+            <a:r>
+              <a:rPr lang="en-US" altLang="ko-KR" dirty="0"/>
+              <a:t> </a:t>
+            </a:r>
+            <a:r>
+              <a:rPr lang="ko-KR" altLang="en-US" dirty="0"/>
+              <a:t>명령어 </a:t>
+            </a:r>
+            <a:r>
+              <a:rPr lang="ko-KR" altLang="en-US" dirty="0" err="1"/>
+              <a:t>수행시</a:t>
+            </a:r>
+            <a:r>
+              <a:rPr lang="ko-KR" altLang="en-US" dirty="0"/>
+              <a:t> </a:t>
+            </a:r>
+            <a:r>
+              <a:rPr lang="en-US" altLang="ko-KR" dirty="0"/>
+              <a:t>python path</a:t>
+            </a:r>
+            <a:r>
+              <a:rPr lang="ko-KR" altLang="en-US" dirty="0"/>
+              <a:t>를 알아오지 못하는 문제 발생</a:t>
+            </a:r>
+            <a:endParaRPr lang="en-US" altLang="ko-KR" dirty="0"/>
+          </a:p>
+          <a:p>
+            <a:endParaRPr lang="en-US" altLang="ko-KR" dirty="0"/>
+          </a:p>
+          <a:p>
+            <a:r>
+              <a:rPr lang="en-US" altLang="ko-KR" dirty="0" err="1"/>
+              <a:t>sudo</a:t>
+            </a:r>
+            <a:r>
+              <a:rPr lang="en-US" altLang="ko-KR" dirty="0"/>
+              <a:t> </a:t>
+            </a:r>
+            <a:r>
+              <a:rPr lang="ko-KR" altLang="en-US" dirty="0"/>
+              <a:t>명령어 사용시 기존의 환경 변수를 작성 했음에도 불구하고 꼬이는 경우가 있으며</a:t>
+            </a:r>
+            <a:r>
+              <a:rPr lang="en-US" altLang="ko-KR" dirty="0"/>
+              <a:t>, python </a:t>
+            </a:r>
+            <a:r>
+              <a:rPr lang="ko-KR" altLang="en-US" dirty="0"/>
+              <a:t>사용시 </a:t>
+            </a:r>
+            <a:r>
+              <a:rPr lang="en-US" altLang="ko-KR" dirty="0" err="1"/>
+              <a:t>sudo</a:t>
+            </a:r>
+            <a:r>
+              <a:rPr lang="en-US" altLang="ko-KR" dirty="0"/>
+              <a:t> </a:t>
+            </a:r>
+            <a:r>
+              <a:rPr lang="ko-KR" altLang="en-US" dirty="0"/>
+              <a:t>명령어를 쓰지 않도록 권고</a:t>
+            </a:r>
+            <a:endParaRPr lang="en-US" altLang="ko-KR" dirty="0"/>
+          </a:p>
+          <a:p>
+            <a:endParaRPr lang="en-US" altLang="ko-KR" dirty="0"/>
+          </a:p>
+          <a:p>
+            <a:r>
+              <a:rPr lang="en-US" altLang="ko-KR" dirty="0" err="1"/>
+              <a:t>sudo</a:t>
+            </a:r>
+            <a:r>
+              <a:rPr lang="en-US" altLang="ko-KR" dirty="0"/>
+              <a:t> </a:t>
+            </a:r>
+            <a:r>
+              <a:rPr lang="en-US" altLang="ko-KR" dirty="0">
+                <a:highlight>
+                  <a:srgbClr val="FFFF00"/>
+                </a:highlight>
+              </a:rPr>
+              <a:t>home/</a:t>
+            </a:r>
+            <a:r>
+              <a:rPr lang="en-US" altLang="ko-KR" dirty="0" err="1">
+                <a:highlight>
+                  <a:srgbClr val="FFFF00"/>
+                </a:highlight>
+              </a:rPr>
+              <a:t>hadoop</a:t>
+            </a:r>
+            <a:r>
+              <a:rPr lang="en-US" altLang="ko-KR" dirty="0">
+                <a:highlight>
+                  <a:srgbClr val="FFFF00"/>
+                </a:highlight>
+              </a:rPr>
+              <a:t>/anaconda3/bin/python</a:t>
+            </a:r>
+            <a:r>
+              <a:rPr lang="en-US" altLang="ko-KR" dirty="0"/>
+              <a:t> manage.py </a:t>
+            </a:r>
+            <a:r>
+              <a:rPr lang="en-US" altLang="ko-KR" dirty="0" err="1"/>
+              <a:t>runserver</a:t>
+            </a:r>
+            <a:r>
+              <a:rPr lang="en-US" altLang="ko-KR" dirty="0"/>
+              <a:t> </a:t>
+            </a:r>
+            <a:r>
+              <a:rPr lang="ko-KR" altLang="en-US" dirty="0"/>
+              <a:t>명령어로 해결</a:t>
+            </a:r>
+          </a:p>
+        </p:txBody>
+      </p:sp>
+    </p:spTree>
+    <p:extLst>
+      <p:ext uri="{BB962C8B-B14F-4D97-AF65-F5344CB8AC3E}">
+        <p14:creationId xmlns:p14="http://schemas.microsoft.com/office/powerpoint/2010/main" val="4111018779"/>
+      </p:ext>
+    </p:extLst>
+  </p:cSld>
+  <p:clrMapOvr>
+    <a:masterClrMapping/>
+  </p:clrMapOvr>
+</p:sld>
+</file>
+
+<file path=ppt/slides/slide6.xml><?xml version="1.0" encoding="utf-8"?>
+<p:sld xmlns:a="http://schemas.openxmlformats.org/drawingml/2006/main" xmlns:r="http://schemas.openxmlformats.org/officeDocument/2006/relationships" xmlns:p="http://schemas.openxmlformats.org/presentationml/2006/main">
+  <p:cSld>
+    <p:spTree>
+      <p:nvGrpSpPr>
+        <p:cNvPr id="1" name=""/>
+        <p:cNvGrpSpPr/>
+        <p:nvPr/>
+      </p:nvGrpSpPr>
+      <p:grpSpPr>
+        <a:xfrm>
+          <a:off x="0" y="0"/>
+          <a:ext cx="0" cy="0"/>
+          <a:chOff x="0" y="0"/>
+          <a:chExt cx="0" cy="0"/>
+        </a:xfrm>
+      </p:grpSpPr>
+      <p:sp>
+        <p:nvSpPr>
+          <p:cNvPr id="2" name="제목 1">
+            <a:extLst>
+              <a:ext uri="{FF2B5EF4-FFF2-40B4-BE49-F238E27FC236}">
                 <a16:creationId xmlns:a16="http://schemas.microsoft.com/office/drawing/2014/main" id="{0188CFC6-2D84-EB54-12E5-B53F1E647BB2}"/>
               </a:ext>
             </a:extLst>
@@ -5419,7 +5600,7 @@
 </p:sld>
 </file>
 
-<file path=ppt/slides/slide6.xml><?xml version="1.0" encoding="utf-8"?>
+<file path=ppt/slides/slide7.xml><?xml version="1.0" encoding="utf-8"?>
 <p:sld xmlns:a="http://schemas.openxmlformats.org/drawingml/2006/main" xmlns:r="http://schemas.openxmlformats.org/officeDocument/2006/relationships" xmlns:p="http://schemas.openxmlformats.org/presentationml/2006/main">
   <p:cSld>
     <p:spTree>
